--- a/presentation/CSPB-3308-Final-Project-Presentation-RK-RG-DG.pptx
+++ b/presentation/CSPB-3308-Final-Project-Presentation-RK-RG-DG.pptx
@@ -7,13 +7,14 @@
   <p:sldIdLst>
     <p:sldId id="256" r:id="rId2"/>
     <p:sldId id="257" r:id="rId3"/>
-    <p:sldId id="259" r:id="rId4"/>
-    <p:sldId id="260" r:id="rId5"/>
-    <p:sldId id="261" r:id="rId6"/>
-    <p:sldId id="263" r:id="rId7"/>
-    <p:sldId id="264" r:id="rId8"/>
-    <p:sldId id="262" r:id="rId9"/>
-    <p:sldId id="265" r:id="rId10"/>
+    <p:sldId id="266" r:id="rId4"/>
+    <p:sldId id="259" r:id="rId5"/>
+    <p:sldId id="260" r:id="rId6"/>
+    <p:sldId id="261" r:id="rId7"/>
+    <p:sldId id="263" r:id="rId8"/>
+    <p:sldId id="264" r:id="rId9"/>
+    <p:sldId id="262" r:id="rId10"/>
+    <p:sldId id="265" r:id="rId11"/>
   </p:sldIdLst>
   <p:sldSz cx="9144000" cy="6858000" type="screen4x3"/>
   <p:notesSz cx="6858000" cy="9144000"/>
@@ -584,7 +585,7 @@
             <a:fld id="{7D0065BE-0657-4A47-90AD-C21C55E16B19}" type="datetime4">
               <a:rPr lang="en-US" smtClean="0"/>
               <a:pPr/>
-              <a:t>December 16, 2019</a:t>
+              <a:t>December 18, 2019</a:t>
             </a:fld>
             <a:endParaRPr lang="en-US"/>
           </a:p>
@@ -751,7 +752,7 @@
             <a:fld id="{A16C3AA4-67BE-44F7-809A-3582401494AF}" type="datetime4">
               <a:rPr lang="en-US" smtClean="0"/>
               <a:pPr/>
-              <a:t>December 16, 2019</a:t>
+              <a:t>December 18, 2019</a:t>
             </a:fld>
             <a:endParaRPr lang="en-US"/>
           </a:p>
@@ -928,7 +929,7 @@
             <a:fld id="{25172EEB-1769-4776-AD69-E7C1260563EB}" type="datetime4">
               <a:rPr lang="en-US" smtClean="0"/>
               <a:pPr/>
-              <a:t>December 16, 2019</a:t>
+              <a:t>December 18, 2019</a:t>
             </a:fld>
             <a:endParaRPr lang="en-US"/>
           </a:p>
@@ -1095,7 +1096,7 @@
             <a:fld id="{D47BB8AF-C16A-4836-A92D-61834B5F0BA5}" type="datetime4">
               <a:rPr lang="en-US" smtClean="0"/>
               <a:pPr/>
-              <a:t>December 16, 2019</a:t>
+              <a:t>December 18, 2019</a:t>
             </a:fld>
             <a:endParaRPr lang="en-US"/>
           </a:p>
@@ -1650,7 +1651,7 @@
             <a:fld id="{647D2193-4505-4A75-99BB-880C6989A757}" type="datetime4">
               <a:rPr lang="en-US" smtClean="0"/>
               <a:pPr/>
-              <a:t>December 16, 2019</a:t>
+              <a:t>December 18, 2019</a:t>
             </a:fld>
             <a:endParaRPr lang="en-US"/>
           </a:p>
@@ -1912,7 +1913,7 @@
             <a:fld id="{113A18F4-33C3-445B-924C-31108C51719C}" type="datetime4">
               <a:rPr lang="en-US" smtClean="0"/>
               <a:pPr/>
-              <a:t>December 16, 2019</a:t>
+              <a:t>December 18, 2019</a:t>
             </a:fld>
             <a:endParaRPr lang="en-US"/>
           </a:p>
@@ -2402,7 +2403,7 @@
             <a:fld id="{3AF7543A-E259-478F-9E0D-57BA40E442B7}" type="datetime4">
               <a:rPr lang="en-US" smtClean="0"/>
               <a:pPr/>
-              <a:t>December 16, 2019</a:t>
+              <a:t>December 18, 2019</a:t>
             </a:fld>
             <a:endParaRPr lang="en-US"/>
           </a:p>
@@ -2517,7 +2518,7 @@
             <a:fld id="{1EFB012D-77A1-44B0-BB26-329BA1EE55C9}" type="datetime4">
               <a:rPr lang="en-US" smtClean="0"/>
               <a:pPr/>
-              <a:t>December 16, 2019</a:t>
+              <a:t>December 18, 2019</a:t>
             </a:fld>
             <a:endParaRPr lang="en-US"/>
           </a:p>
@@ -2609,7 +2610,7 @@
             <a:fld id="{94B7499E-3031-413E-B01E-B94970708CAA}" type="datetime4">
               <a:rPr lang="en-US" smtClean="0"/>
               <a:pPr/>
-              <a:t>December 16, 2019</a:t>
+              <a:t>December 18, 2019</a:t>
             </a:fld>
             <a:endParaRPr lang="en-US"/>
           </a:p>
@@ -3041,7 +3042,7 @@
             <a:fld id="{DC7EAB0C-2220-4D0E-A0DD-DB7FA0F742F4}" type="datetime4">
               <a:rPr lang="en-US" smtClean="0"/>
               <a:pPr/>
-              <a:t>December 16, 2019</a:t>
+              <a:t>December 18, 2019</a:t>
             </a:fld>
             <a:endParaRPr lang="en-US"/>
           </a:p>
@@ -3576,7 +3577,7 @@
             <a:fld id="{E3416D63-31BF-4B94-B6C5-E20B2C63F515}" type="datetime4">
               <a:rPr lang="en-US" smtClean="0"/>
               <a:pPr/>
-              <a:t>December 16, 2019</a:t>
+              <a:t>December 18, 2019</a:t>
             </a:fld>
             <a:endParaRPr lang="en-US"/>
           </a:p>
@@ -4418,7 +4419,7 @@
             <a:fld id="{62B1B13E-D5AF-485E-81A1-82A140076526}" type="datetime4">
               <a:rPr lang="en-US" smtClean="0"/>
               <a:pPr/>
-              <a:t>December 16, 2019</a:t>
+              <a:t>December 18, 2019</a:t>
             </a:fld>
             <a:endParaRPr lang="en-US" dirty="0"/>
           </a:p>
@@ -4887,6 +4888,194 @@
 </p:sld>
 </file>
 
+<file path=ppt/slides/slide10.xml><?xml version="1.0" encoding="utf-8"?>
+<p:sld xmlns:a="http://schemas.openxmlformats.org/drawingml/2006/main" xmlns:r="http://schemas.openxmlformats.org/officeDocument/2006/relationships" xmlns:p="http://schemas.openxmlformats.org/presentationml/2006/main">
+  <p:cSld>
+    <p:spTree>
+      <p:nvGrpSpPr>
+        <p:cNvPr id="1" name=""/>
+        <p:cNvGrpSpPr/>
+        <p:nvPr/>
+      </p:nvGrpSpPr>
+      <p:grpSpPr>
+        <a:xfrm>
+          <a:off x="0" y="0"/>
+          <a:ext cx="0" cy="0"/>
+          <a:chOff x="0" y="0"/>
+          <a:chExt cx="0" cy="0"/>
+        </a:xfrm>
+      </p:grpSpPr>
+      <p:sp>
+        <p:nvSpPr>
+          <p:cNvPr id="2" name="Title 1"/>
+          <p:cNvSpPr>
+            <a:spLocks noGrp="1"/>
+          </p:cNvSpPr>
+          <p:nvPr>
+            <p:ph type="title"/>
+          </p:nvPr>
+        </p:nvSpPr>
+        <p:spPr/>
+        <p:txBody>
+          <a:bodyPr/>
+          <a:lstStyle/>
+          <a:p>
+            <a:r>
+              <a:rPr lang="en-US" dirty="0" smtClean="0"/>
+              <a:t>Deployment</a:t>
+            </a:r>
+            <a:endParaRPr lang="en-US" dirty="0"/>
+          </a:p>
+        </p:txBody>
+      </p:sp>
+      <p:sp>
+        <p:nvSpPr>
+          <p:cNvPr id="3" name="Content Placeholder 2"/>
+          <p:cNvSpPr>
+            <a:spLocks noGrp="1"/>
+          </p:cNvSpPr>
+          <p:nvPr>
+            <p:ph idx="1"/>
+          </p:nvPr>
+        </p:nvSpPr>
+        <p:spPr>
+          <a:xfrm>
+            <a:off x="628468" y="1100628"/>
+            <a:ext cx="3867738" cy="2160319"/>
+          </a:xfrm>
+        </p:spPr>
+        <p:txBody>
+          <a:bodyPr/>
+          <a:lstStyle/>
+          <a:p>
+            <a:pPr>
+              <a:buFont typeface="Arial"/>
+              <a:buChar char="•"/>
+            </a:pPr>
+            <a:r>
+              <a:rPr lang="en-US" dirty="0" smtClean="0"/>
+              <a:t>Used Google Cloud instead of </a:t>
+            </a:r>
+            <a:r>
+              <a:rPr lang="en-US" dirty="0" err="1" smtClean="0"/>
+              <a:t>Heroku</a:t>
+            </a:r>
+            <a:endParaRPr lang="en-US" dirty="0" smtClean="0"/>
+          </a:p>
+          <a:p>
+            <a:pPr>
+              <a:buFont typeface="Arial"/>
+              <a:buChar char="•"/>
+            </a:pPr>
+            <a:r>
+              <a:rPr lang="en-US" dirty="0" smtClean="0"/>
+              <a:t>Easy to deploy</a:t>
+            </a:r>
+          </a:p>
+          <a:p>
+            <a:pPr>
+              <a:buFont typeface="Arial"/>
+              <a:buChar char="•"/>
+            </a:pPr>
+            <a:r>
+              <a:rPr lang="en-US" dirty="0" smtClean="0"/>
+              <a:t>Really cheap to use ($3/month)</a:t>
+            </a:r>
+          </a:p>
+          <a:p>
+            <a:pPr>
+              <a:buFont typeface="Arial"/>
+              <a:buChar char="•"/>
+            </a:pPr>
+            <a:r>
+              <a:rPr lang="en-US" dirty="0" smtClean="0"/>
+              <a:t>Easy to Manage</a:t>
+            </a:r>
+          </a:p>
+          <a:p>
+            <a:pPr>
+              <a:buFont typeface="Arial"/>
+              <a:buChar char="•"/>
+            </a:pPr>
+            <a:r>
+              <a:rPr lang="en-US" dirty="0" smtClean="0"/>
+              <a:t>It’s </a:t>
+            </a:r>
+            <a:r>
+              <a:rPr lang="en-US" dirty="0" err="1" smtClean="0"/>
+              <a:t>google</a:t>
+            </a:r>
+            <a:endParaRPr lang="en-US" dirty="0" smtClean="0"/>
+          </a:p>
+          <a:p>
+            <a:pPr>
+              <a:buFont typeface="Arial"/>
+              <a:buChar char="•"/>
+            </a:pPr>
+            <a:r>
+              <a:rPr lang="en-US" dirty="0" smtClean="0"/>
+              <a:t>Ubuntu/NGINX/REDIS</a:t>
+            </a:r>
+          </a:p>
+          <a:p>
+            <a:pPr>
+              <a:buFont typeface="Arial"/>
+              <a:buChar char="•"/>
+            </a:pPr>
+            <a:endParaRPr lang="en-US" dirty="0"/>
+          </a:p>
+        </p:txBody>
+      </p:sp>
+      <p:pic>
+        <p:nvPicPr>
+          <p:cNvPr id="4" name="Picture 3" descr="1.jpeg"/>
+          <p:cNvPicPr>
+            <a:picLocks noChangeAspect="1"/>
+          </p:cNvPicPr>
+          <p:nvPr/>
+        </p:nvPicPr>
+        <p:blipFill>
+          <a:blip r:embed="rId2" cstate="print">
+            <a:extLst>
+              <a:ext uri="{28A0092B-C50C-407E-A947-70E740481C1C}">
+                <a14:useLocalDpi xmlns:a14="http://schemas.microsoft.com/office/drawing/2010/main" val="0"/>
+              </a:ext>
+            </a:extLst>
+          </a:blip>
+          <a:stretch>
+            <a:fillRect/>
+          </a:stretch>
+        </p:blipFill>
+        <p:spPr>
+          <a:xfrm>
+            <a:off x="4430099" y="365760"/>
+            <a:ext cx="3913801" cy="3913801"/>
+          </a:xfrm>
+          <a:prstGeom prst="rect">
+            <a:avLst/>
+          </a:prstGeom>
+        </p:spPr>
+      </p:pic>
+    </p:spTree>
+    <p:extLst>
+      <p:ext uri="{BB962C8B-B14F-4D97-AF65-F5344CB8AC3E}">
+        <p14:creationId xmlns:p14="http://schemas.microsoft.com/office/powerpoint/2010/main" val="797430493"/>
+      </p:ext>
+    </p:extLst>
+  </p:cSld>
+  <p:clrMapOvr>
+    <a:masterClrMapping/>
+  </p:clrMapOvr>
+  <p:timing>
+    <p:tnLst>
+      <p:par>
+        <p:cTn xmlns:p14="http://schemas.microsoft.com/office/powerpoint/2010/main" id="1" dur="indefinite" restart="never" nodeType="tmRoot"/>
+      </p:par>
+    </p:tnLst>
+  </p:timing>
+</p:sld>
+</file>
+
 <file path=ppt/slides/slide2.xml><?xml version="1.0" encoding="utf-8"?>
 <p:sld xmlns:a="http://schemas.openxmlformats.org/drawingml/2006/main" xmlns:r="http://schemas.openxmlformats.org/officeDocument/2006/relationships" xmlns:p="http://schemas.openxmlformats.org/presentationml/2006/main">
   <p:cSld>
@@ -5135,15 +5324,668 @@
           <a:p>
             <a:r>
               <a:rPr lang="en-US" dirty="0" smtClean="0"/>
-              <a:t>What Tools did we use</a:t>
-            </a:r>
-            <a:r>
-              <a:rPr lang="mr-IN" dirty="0" smtClean="0"/>
-              <a:t>…</a:t>
+              <a:t>WHAT DO WE USE?</a:t>
+            </a:r>
+            <a:endParaRPr lang="en-US" dirty="0"/>
+          </a:p>
+        </p:txBody>
+      </p:sp>
+      <p:pic>
+        <p:nvPicPr>
+          <p:cNvPr id="4" name="Content Placeholder 3"/>
+          <p:cNvPicPr>
+            <a:picLocks noGrp="1" noChangeAspect="1"/>
+          </p:cNvPicPr>
+          <p:nvPr>
+            <p:ph idx="1"/>
+          </p:nvPr>
+        </p:nvPicPr>
+        <p:blipFill>
+          <a:blip r:embed="rId2"/>
+          <a:srcRect t="18791" b="18791"/>
+          <a:stretch>
+            <a:fillRect/>
+          </a:stretch>
+        </p:blipFill>
+        <p:spPr>
+          <a:xfrm>
+            <a:off x="4140774" y="1224284"/>
+            <a:ext cx="4586711" cy="3032110"/>
+          </a:xfrm>
+        </p:spPr>
+      </p:pic>
+      <p:sp>
+        <p:nvSpPr>
+          <p:cNvPr id="5" name="TextBox 4"/>
+          <p:cNvSpPr txBox="1"/>
+          <p:nvPr/>
+        </p:nvSpPr>
+        <p:spPr>
+          <a:xfrm rot="18697469">
+            <a:off x="4531679" y="3551288"/>
+            <a:ext cx="1060896" cy="553998"/>
+          </a:xfrm>
+          <a:prstGeom prst="rect">
+            <a:avLst/>
+          </a:prstGeom>
+          <a:noFill/>
+          <a:ln>
+            <a:noFill/>
+          </a:ln>
+        </p:spPr>
+        <p:txBody>
+          <a:bodyPr wrap="square" rtlCol="0">
+            <a:spAutoFit/>
+          </a:bodyPr>
+          <a:lstStyle/>
+          <a:p>
+            <a:r>
+              <a:rPr lang="en-US" sz="3000" dirty="0" smtClean="0">
+                <a:ln>
+                  <a:solidFill>
+                    <a:srgbClr val="FF0000"/>
+                  </a:solidFill>
+                </a:ln>
+                <a:solidFill>
+                  <a:srgbClr val="FF0000"/>
+                </a:solidFill>
+              </a:rPr>
+              <a:t>PHP</a:t>
+            </a:r>
+            <a:endParaRPr lang="en-US" sz="3000" dirty="0">
+              <a:ln>
+                <a:solidFill>
+                  <a:srgbClr val="FF0000"/>
+                </a:solidFill>
+              </a:ln>
+              <a:solidFill>
+                <a:srgbClr val="FF0000"/>
+              </a:solidFill>
+            </a:endParaRPr>
+          </a:p>
+        </p:txBody>
+      </p:sp>
+      <p:sp>
+        <p:nvSpPr>
+          <p:cNvPr id="7" name="TextBox 6"/>
+          <p:cNvSpPr txBox="1"/>
+          <p:nvPr/>
+        </p:nvSpPr>
+        <p:spPr>
+          <a:xfrm rot="2231539">
+            <a:off x="7113231" y="3195918"/>
+            <a:ext cx="1335813" cy="553998"/>
+          </a:xfrm>
+          <a:prstGeom prst="rect">
+            <a:avLst/>
+          </a:prstGeom>
+          <a:noFill/>
+          <a:ln>
+            <a:noFill/>
+          </a:ln>
+        </p:spPr>
+        <p:txBody>
+          <a:bodyPr wrap="square" rtlCol="0">
+            <a:spAutoFit/>
+          </a:bodyPr>
+          <a:lstStyle/>
+          <a:p>
+            <a:r>
+              <a:rPr lang="en-US" sz="3000" dirty="0" smtClean="0">
+                <a:ln>
+                  <a:solidFill>
+                    <a:srgbClr val="FF0000"/>
+                  </a:solidFill>
+                </a:ln>
+                <a:solidFill>
+                  <a:srgbClr val="FF0000"/>
+                </a:solidFill>
+              </a:rPr>
+              <a:t>Python</a:t>
+            </a:r>
+            <a:endParaRPr lang="en-US" sz="3000" dirty="0">
+              <a:ln>
+                <a:solidFill>
+                  <a:srgbClr val="FF0000"/>
+                </a:solidFill>
+              </a:ln>
+              <a:solidFill>
+                <a:srgbClr val="FF0000"/>
+              </a:solidFill>
+            </a:endParaRPr>
+          </a:p>
+        </p:txBody>
+      </p:sp>
+      <p:sp>
+        <p:nvSpPr>
+          <p:cNvPr id="8" name="TextBox 7"/>
+          <p:cNvSpPr txBox="1"/>
+          <p:nvPr/>
+        </p:nvSpPr>
+        <p:spPr>
+          <a:xfrm>
+            <a:off x="7414361" y="1837352"/>
+            <a:ext cx="1475086" cy="553998"/>
+          </a:xfrm>
+          <a:prstGeom prst="rect">
+            <a:avLst/>
+          </a:prstGeom>
+          <a:noFill/>
+          <a:ln>
+            <a:noFill/>
+          </a:ln>
+        </p:spPr>
+        <p:txBody>
+          <a:bodyPr wrap="square" rtlCol="0">
+            <a:spAutoFit/>
+          </a:bodyPr>
+          <a:lstStyle/>
+          <a:p>
+            <a:r>
+              <a:rPr lang="en-US" sz="3000" dirty="0" err="1">
+                <a:ln>
+                  <a:solidFill>
+                    <a:srgbClr val="FF0000"/>
+                  </a:solidFill>
+                </a:ln>
+                <a:solidFill>
+                  <a:srgbClr val="FF0000"/>
+                </a:solidFill>
+              </a:rPr>
+              <a:t>N</a:t>
+            </a:r>
+            <a:r>
+              <a:rPr lang="en-US" sz="3000" dirty="0" err="1" smtClean="0">
+                <a:ln>
+                  <a:solidFill>
+                    <a:srgbClr val="FF0000"/>
+                  </a:solidFill>
+                </a:ln>
+                <a:solidFill>
+                  <a:srgbClr val="FF0000"/>
+                </a:solidFill>
+              </a:rPr>
+              <a:t>odeJS</a:t>
+            </a:r>
+            <a:endParaRPr lang="en-US" sz="3000" dirty="0">
+              <a:ln>
+                <a:solidFill>
+                  <a:srgbClr val="FF0000"/>
+                </a:solidFill>
+              </a:ln>
+              <a:solidFill>
+                <a:srgbClr val="FF0000"/>
+              </a:solidFill>
+            </a:endParaRPr>
+          </a:p>
+        </p:txBody>
+      </p:sp>
+      <p:sp>
+        <p:nvSpPr>
+          <p:cNvPr id="9" name="TextBox 8"/>
+          <p:cNvSpPr txBox="1"/>
+          <p:nvPr/>
+        </p:nvSpPr>
+        <p:spPr>
+          <a:xfrm rot="5400000">
+            <a:off x="5678216" y="3692155"/>
+            <a:ext cx="1133241" cy="477054"/>
+          </a:xfrm>
+          <a:prstGeom prst="rect">
+            <a:avLst/>
+          </a:prstGeom>
+          <a:noFill/>
+          <a:ln>
+            <a:noFill/>
+          </a:ln>
+        </p:spPr>
+        <p:txBody>
+          <a:bodyPr wrap="square" rtlCol="0">
+            <a:spAutoFit/>
+          </a:bodyPr>
+          <a:lstStyle/>
+          <a:p>
+            <a:r>
+              <a:rPr lang="en-US" sz="2500" dirty="0" smtClean="0">
+                <a:ln>
+                  <a:solidFill>
+                    <a:srgbClr val="FF0000"/>
+                  </a:solidFill>
+                </a:ln>
+                <a:solidFill>
+                  <a:srgbClr val="FF0000"/>
+                </a:solidFill>
+              </a:rPr>
+              <a:t>React</a:t>
+            </a:r>
+            <a:endParaRPr lang="en-US" sz="2500" dirty="0">
+              <a:ln>
+                <a:solidFill>
+                  <a:srgbClr val="FF0000"/>
+                </a:solidFill>
+              </a:ln>
+              <a:solidFill>
+                <a:srgbClr val="FF0000"/>
+              </a:solidFill>
+            </a:endParaRPr>
+          </a:p>
+        </p:txBody>
+      </p:sp>
+      <p:sp>
+        <p:nvSpPr>
+          <p:cNvPr id="10" name="TextBox 9"/>
+          <p:cNvSpPr txBox="1"/>
+          <p:nvPr/>
+        </p:nvSpPr>
+        <p:spPr>
+          <a:xfrm rot="1448690">
+            <a:off x="4046522" y="1424727"/>
+            <a:ext cx="1335813" cy="523220"/>
+          </a:xfrm>
+          <a:prstGeom prst="rect">
+            <a:avLst/>
+          </a:prstGeom>
+          <a:noFill/>
+          <a:ln>
+            <a:noFill/>
+          </a:ln>
+        </p:spPr>
+        <p:txBody>
+          <a:bodyPr wrap="square" rtlCol="0">
+            <a:spAutoFit/>
+          </a:bodyPr>
+          <a:lstStyle/>
+          <a:p>
+            <a:r>
+              <a:rPr lang="en-US" sz="2800" dirty="0" smtClean="0">
+                <a:ln>
+                  <a:solidFill>
+                    <a:srgbClr val="FF0000"/>
+                  </a:solidFill>
+                </a:ln>
+                <a:solidFill>
+                  <a:srgbClr val="FF0000"/>
+                </a:solidFill>
+              </a:rPr>
+              <a:t>Golang</a:t>
+            </a:r>
+            <a:endParaRPr lang="en-US" sz="2800" dirty="0">
+              <a:ln>
+                <a:solidFill>
+                  <a:srgbClr val="FF0000"/>
+                </a:solidFill>
+              </a:ln>
+              <a:solidFill>
+                <a:srgbClr val="FF0000"/>
+              </a:solidFill>
+            </a:endParaRPr>
+          </a:p>
+        </p:txBody>
+      </p:sp>
+      <p:sp>
+        <p:nvSpPr>
+          <p:cNvPr id="11" name="TextBox 10"/>
+          <p:cNvSpPr txBox="1"/>
+          <p:nvPr/>
+        </p:nvSpPr>
+        <p:spPr>
+          <a:xfrm rot="19951535">
+            <a:off x="4240357" y="2669985"/>
+            <a:ext cx="1335813" cy="523220"/>
+          </a:xfrm>
+          <a:prstGeom prst="rect">
+            <a:avLst/>
+          </a:prstGeom>
+          <a:noFill/>
+          <a:ln>
+            <a:noFill/>
+          </a:ln>
+        </p:spPr>
+        <p:txBody>
+          <a:bodyPr wrap="square" rtlCol="0">
+            <a:spAutoFit/>
+          </a:bodyPr>
+          <a:lstStyle/>
+          <a:p>
+            <a:r>
+              <a:rPr lang="en-US" sz="2800" dirty="0" smtClean="0">
+                <a:ln>
+                  <a:solidFill>
+                    <a:srgbClr val="FF0000"/>
+                  </a:solidFill>
+                </a:ln>
+                <a:solidFill>
+                  <a:srgbClr val="FF0000"/>
+                </a:solidFill>
+              </a:rPr>
+              <a:t>Angular</a:t>
+            </a:r>
+            <a:endParaRPr lang="en-US" sz="2800" dirty="0">
+              <a:ln>
+                <a:solidFill>
+                  <a:srgbClr val="FF0000"/>
+                </a:solidFill>
+              </a:ln>
+              <a:solidFill>
+                <a:srgbClr val="FF0000"/>
+              </a:solidFill>
+            </a:endParaRPr>
+          </a:p>
+        </p:txBody>
+      </p:sp>
+      <p:sp>
+        <p:nvSpPr>
+          <p:cNvPr id="14" name="Content Placeholder 2"/>
+          <p:cNvSpPr txBox="1">
+            <a:spLocks/>
+          </p:cNvSpPr>
+          <p:nvPr/>
+        </p:nvSpPr>
+        <p:spPr>
+          <a:xfrm>
+            <a:off x="680130" y="1174410"/>
+            <a:ext cx="3317814" cy="3155766"/>
+          </a:xfrm>
+          <a:prstGeom prst="rect">
+            <a:avLst/>
+          </a:prstGeom>
+        </p:spPr>
+        <p:txBody>
+          <a:bodyPr vert="horz" lIns="91440" tIns="45720" rIns="91440" bIns="45720" rtlCol="0">
+            <a:normAutofit/>
+          </a:bodyPr>
+          <a:lstStyle>
+            <a:lvl1pPr marL="342900" indent="-342900" algn="l" defTabSz="914400" rtl="0" eaLnBrk="1" latinLnBrk="0" hangingPunct="1">
+              <a:spcBef>
+                <a:spcPts val="800"/>
+              </a:spcBef>
+              <a:buFont typeface="Arial" pitchFamily="34" charset="0"/>
+              <a:buNone/>
+              <a:defRPr sz="1600" b="1" kern="1200">
+                <a:solidFill>
+                  <a:schemeClr val="tx1"/>
+                </a:solidFill>
+                <a:latin typeface="+mn-lt"/>
+                <a:ea typeface="+mn-ea"/>
+                <a:cs typeface="+mn-cs"/>
+              </a:defRPr>
+            </a:lvl1pPr>
+            <a:lvl2pPr marL="173736" indent="-173736" algn="l" defTabSz="914400" rtl="0" eaLnBrk="1" latinLnBrk="0" hangingPunct="1">
+              <a:spcBef>
+                <a:spcPts val="300"/>
+              </a:spcBef>
+              <a:buClr>
+                <a:schemeClr val="accent2"/>
+              </a:buClr>
+              <a:buFont typeface="Wingdings" pitchFamily="2" charset="2"/>
+              <a:buChar char="§"/>
+              <a:defRPr sz="1600" kern="1200">
+                <a:solidFill>
+                  <a:schemeClr val="tx1"/>
+                </a:solidFill>
+                <a:latin typeface="+mn-lt"/>
+                <a:ea typeface="+mn-ea"/>
+                <a:cs typeface="+mn-cs"/>
+              </a:defRPr>
+            </a:lvl2pPr>
+            <a:lvl3pPr marL="402336" indent="-164592" algn="l" defTabSz="914400" rtl="0" eaLnBrk="1" latinLnBrk="0" hangingPunct="1">
+              <a:spcBef>
+                <a:spcPts val="300"/>
+              </a:spcBef>
+              <a:buClr>
+                <a:schemeClr val="accent2"/>
+              </a:buClr>
+              <a:buFont typeface="Wingdings" pitchFamily="2" charset="2"/>
+              <a:buChar char="§"/>
+              <a:defRPr sz="1600" kern="1200">
+                <a:solidFill>
+                  <a:schemeClr val="tx1"/>
+                </a:solidFill>
+                <a:latin typeface="+mn-lt"/>
+                <a:ea typeface="+mn-ea"/>
+                <a:cs typeface="+mn-cs"/>
+              </a:defRPr>
+            </a:lvl3pPr>
+            <a:lvl4pPr marL="630936" indent="-164592" algn="l" defTabSz="914400" rtl="0" eaLnBrk="1" latinLnBrk="0" hangingPunct="1">
+              <a:spcBef>
+                <a:spcPts val="300"/>
+              </a:spcBef>
+              <a:buClr>
+                <a:schemeClr val="accent2"/>
+              </a:buClr>
+              <a:buFont typeface="Wingdings" pitchFamily="2" charset="2"/>
+              <a:buChar char="§"/>
+              <a:defRPr sz="1600" kern="1200">
+                <a:solidFill>
+                  <a:schemeClr val="tx1"/>
+                </a:solidFill>
+                <a:latin typeface="+mn-lt"/>
+                <a:ea typeface="+mn-ea"/>
+                <a:cs typeface="+mn-cs"/>
+              </a:defRPr>
+            </a:lvl4pPr>
+            <a:lvl5pPr marL="859536" indent="-173736" algn="l" defTabSz="914400" rtl="0" eaLnBrk="1" latinLnBrk="0" hangingPunct="1">
+              <a:spcBef>
+                <a:spcPts val="300"/>
+              </a:spcBef>
+              <a:buClr>
+                <a:schemeClr val="accent2"/>
+              </a:buClr>
+              <a:buFont typeface="Wingdings" pitchFamily="2" charset="2"/>
+              <a:buChar char="§"/>
+              <a:defRPr sz="1600" kern="1200">
+                <a:solidFill>
+                  <a:schemeClr val="tx1"/>
+                </a:solidFill>
+                <a:latin typeface="+mn-lt"/>
+                <a:ea typeface="+mn-ea"/>
+                <a:cs typeface="+mn-cs"/>
+              </a:defRPr>
+            </a:lvl5pPr>
+            <a:lvl6pPr marL="1097280" indent="-173736" algn="l" defTabSz="914400" rtl="0" eaLnBrk="1" latinLnBrk="0" hangingPunct="1">
+              <a:spcBef>
+                <a:spcPts val="300"/>
+              </a:spcBef>
+              <a:buClr>
+                <a:schemeClr val="accent2"/>
+              </a:buClr>
+              <a:buFont typeface="Wingdings" pitchFamily="2" charset="2"/>
+              <a:buChar char="§"/>
+              <a:defRPr sz="1400" kern="1200">
+                <a:solidFill>
+                  <a:schemeClr val="tx1"/>
+                </a:solidFill>
+                <a:latin typeface="+mn-lt"/>
+                <a:ea typeface="+mn-ea"/>
+                <a:cs typeface="+mn-cs"/>
+              </a:defRPr>
+            </a:lvl6pPr>
+            <a:lvl7pPr marL="1353312" indent="-164592" algn="l" defTabSz="914400" rtl="0" eaLnBrk="1" latinLnBrk="0" hangingPunct="1">
+              <a:spcBef>
+                <a:spcPts val="300"/>
+              </a:spcBef>
+              <a:buClr>
+                <a:schemeClr val="accent2"/>
+              </a:buClr>
+              <a:buFont typeface="Wingdings" pitchFamily="2" charset="2"/>
+              <a:buChar char="§"/>
+              <a:defRPr sz="1400" kern="1200">
+                <a:solidFill>
+                  <a:schemeClr val="tx1"/>
+                </a:solidFill>
+                <a:latin typeface="+mn-lt"/>
+                <a:ea typeface="+mn-ea"/>
+                <a:cs typeface="+mn-cs"/>
+              </a:defRPr>
+            </a:lvl7pPr>
+            <a:lvl8pPr marL="1581912" indent="-164592" algn="l" defTabSz="914400" rtl="0" eaLnBrk="1" latinLnBrk="0" hangingPunct="1">
+              <a:spcBef>
+                <a:spcPts val="300"/>
+              </a:spcBef>
+              <a:buClr>
+                <a:schemeClr val="accent2"/>
+              </a:buClr>
+              <a:buFont typeface="Wingdings" pitchFamily="2" charset="2"/>
+              <a:buChar char="§"/>
+              <a:defRPr sz="1400" kern="1200">
+                <a:solidFill>
+                  <a:schemeClr val="tx1"/>
+                </a:solidFill>
+                <a:latin typeface="+mn-lt"/>
+                <a:ea typeface="+mn-ea"/>
+                <a:cs typeface="+mn-cs"/>
+              </a:defRPr>
+            </a:lvl8pPr>
+            <a:lvl9pPr marL="1792224" indent="-164592" algn="l" defTabSz="914400" rtl="0" eaLnBrk="1" latinLnBrk="0" hangingPunct="1">
+              <a:spcBef>
+                <a:spcPts val="300"/>
+              </a:spcBef>
+              <a:buClr>
+                <a:schemeClr val="accent2"/>
+              </a:buClr>
+              <a:buFont typeface="Wingdings" pitchFamily="2" charset="2"/>
+              <a:buChar char="§"/>
+              <a:defRPr sz="1400" kern="1200">
+                <a:solidFill>
+                  <a:schemeClr val="tx1"/>
+                </a:solidFill>
+                <a:latin typeface="+mn-lt"/>
+                <a:ea typeface="+mn-ea"/>
+                <a:cs typeface="+mn-cs"/>
+              </a:defRPr>
+            </a:lvl9pPr>
+          </a:lstStyle>
+          <a:p>
+            <a:pPr>
+              <a:buFont typeface="Arial"/>
+              <a:buChar char="•"/>
+            </a:pPr>
+            <a:r>
+              <a:rPr lang="en-US" dirty="0" err="1" smtClean="0"/>
+              <a:t>Well..what</a:t>
             </a:r>
             <a:r>
               <a:rPr lang="en-US" dirty="0" smtClean="0"/>
-              <a:t>?</a:t>
+              <a:t> don’t we want?</a:t>
+            </a:r>
+          </a:p>
+          <a:p>
+            <a:pPr lvl="2">
+              <a:buFont typeface="Arial"/>
+              <a:buChar char="•"/>
+            </a:pPr>
+            <a:r>
+              <a:rPr lang="en-US" dirty="0" smtClean="0"/>
+              <a:t>Death by language</a:t>
+            </a:r>
+          </a:p>
+          <a:p>
+            <a:pPr lvl="2">
+              <a:buFont typeface="Arial"/>
+              <a:buChar char="•"/>
+            </a:pPr>
+            <a:r>
+              <a:rPr lang="en-US" dirty="0" smtClean="0"/>
+              <a:t>Ability to prototype rapidly</a:t>
+            </a:r>
+          </a:p>
+          <a:p>
+            <a:pPr lvl="2">
+              <a:buFont typeface="Arial"/>
+              <a:buChar char="•"/>
+            </a:pPr>
+            <a:r>
+              <a:rPr lang="en-US" dirty="0" smtClean="0"/>
+              <a:t>Leverages our existing knowledgebase</a:t>
+            </a:r>
+          </a:p>
+          <a:p>
+            <a:pPr lvl="2">
+              <a:buFont typeface="Arial"/>
+              <a:buChar char="•"/>
+            </a:pPr>
+            <a:r>
+              <a:rPr lang="en-US" dirty="0" smtClean="0"/>
+              <a:t>Deploys easily</a:t>
+            </a:r>
+          </a:p>
+          <a:p>
+            <a:pPr lvl="2">
+              <a:buFont typeface="Arial"/>
+              <a:buChar char="•"/>
+            </a:pPr>
+            <a:r>
+              <a:rPr lang="en-US" dirty="0" smtClean="0"/>
+              <a:t>Many available frameworks and packages to speed up development</a:t>
+            </a:r>
+          </a:p>
+          <a:p>
+            <a:pPr lvl="2">
+              <a:buFont typeface="Arial"/>
+              <a:buChar char="•"/>
+            </a:pPr>
+            <a:r>
+              <a:rPr lang="en-US" dirty="0" smtClean="0"/>
+              <a:t>Doesn’t suck.</a:t>
+            </a:r>
+          </a:p>
+          <a:p>
+            <a:pPr marL="237744" lvl="2" indent="0">
+              <a:buFont typeface="Wingdings" pitchFamily="2" charset="2"/>
+              <a:buNone/>
+            </a:pPr>
+            <a:endParaRPr lang="en-US" dirty="0" smtClean="0"/>
+          </a:p>
+        </p:txBody>
+      </p:sp>
+    </p:spTree>
+    <p:extLst>
+      <p:ext uri="{BB962C8B-B14F-4D97-AF65-F5344CB8AC3E}">
+        <p14:creationId xmlns:p14="http://schemas.microsoft.com/office/powerpoint/2010/main" val="1915673492"/>
+      </p:ext>
+    </p:extLst>
+  </p:cSld>
+  <p:clrMapOvr>
+    <a:masterClrMapping/>
+  </p:clrMapOvr>
+</p:sld>
+</file>
+
+<file path=ppt/slides/slide4.xml><?xml version="1.0" encoding="utf-8"?>
+<p:sld xmlns:a="http://schemas.openxmlformats.org/drawingml/2006/main" xmlns:r="http://schemas.openxmlformats.org/officeDocument/2006/relationships" xmlns:p="http://schemas.openxmlformats.org/presentationml/2006/main">
+  <p:cSld>
+    <p:spTree>
+      <p:nvGrpSpPr>
+        <p:cNvPr id="1" name=""/>
+        <p:cNvGrpSpPr/>
+        <p:nvPr/>
+      </p:nvGrpSpPr>
+      <p:grpSpPr>
+        <a:xfrm>
+          <a:off x="0" y="0"/>
+          <a:ext cx="0" cy="0"/>
+          <a:chOff x="0" y="0"/>
+          <a:chExt cx="0" cy="0"/>
+        </a:xfrm>
+      </p:grpSpPr>
+      <p:sp>
+        <p:nvSpPr>
+          <p:cNvPr id="2" name="Title 1"/>
+          <p:cNvSpPr>
+            <a:spLocks noGrp="1"/>
+          </p:cNvSpPr>
+          <p:nvPr>
+            <p:ph type="title"/>
+          </p:nvPr>
+        </p:nvSpPr>
+        <p:spPr/>
+        <p:txBody>
+          <a:bodyPr/>
+          <a:lstStyle/>
+          <a:p>
+            <a:r>
+              <a:rPr lang="en-US" dirty="0" smtClean="0"/>
+              <a:t>What We Selected</a:t>
             </a:r>
             <a:endParaRPr lang="en-US" dirty="0"/>
           </a:p>
@@ -5681,7 +6523,7 @@
 </p:sld>
 </file>
 
-<file path=ppt/slides/slide4.xml><?xml version="1.0" encoding="utf-8"?>
+<file path=ppt/slides/slide5.xml><?xml version="1.0" encoding="utf-8"?>
 <p:sld xmlns:a="http://schemas.openxmlformats.org/drawingml/2006/main" xmlns:r="http://schemas.openxmlformats.org/officeDocument/2006/relationships" xmlns:p="http://schemas.openxmlformats.org/presentationml/2006/main">
   <p:cSld>
     <p:spTree>
@@ -5760,7 +6602,7 @@
 </p:sld>
 </file>
 
-<file path=ppt/slides/slide5.xml><?xml version="1.0" encoding="utf-8"?>
+<file path=ppt/slides/slide6.xml><?xml version="1.0" encoding="utf-8"?>
 <p:sld xmlns:a="http://schemas.openxmlformats.org/drawingml/2006/main" xmlns:r="http://schemas.openxmlformats.org/officeDocument/2006/relationships" xmlns:p="http://schemas.openxmlformats.org/presentationml/2006/main">
   <p:cSld>
     <p:spTree>
@@ -6077,7 +6919,7 @@
 </p:sld>
 </file>
 
-<file path=ppt/slides/slide6.xml><?xml version="1.0" encoding="utf-8"?>
+<file path=ppt/slides/slide7.xml><?xml version="1.0" encoding="utf-8"?>
 <p:sld xmlns:a="http://schemas.openxmlformats.org/drawingml/2006/main" xmlns:r="http://schemas.openxmlformats.org/officeDocument/2006/relationships" xmlns:p="http://schemas.openxmlformats.org/presentationml/2006/main">
   <p:cSld>
     <p:spTree>
@@ -6331,10 +7173,17 @@
   <p:clrMapOvr>
     <a:masterClrMapping/>
   </p:clrMapOvr>
+  <p:timing>
+    <p:tnLst>
+      <p:par>
+        <p:cTn xmlns:p14="http://schemas.microsoft.com/office/powerpoint/2010/main" id="1" dur="indefinite" restart="never" nodeType="tmRoot"/>
+      </p:par>
+    </p:tnLst>
+  </p:timing>
 </p:sld>
 </file>
 
-<file path=ppt/slides/slide7.xml><?xml version="1.0" encoding="utf-8"?>
+<file path=ppt/slides/slide8.xml><?xml version="1.0" encoding="utf-8"?>
 <p:sld xmlns:a="http://schemas.openxmlformats.org/drawingml/2006/main" xmlns:r="http://schemas.openxmlformats.org/officeDocument/2006/relationships" xmlns:p="http://schemas.openxmlformats.org/presentationml/2006/main">
   <p:cSld>
     <p:spTree>
@@ -6504,180 +7353,6 @@
   <p:clrMapOvr>
     <a:masterClrMapping/>
   </p:clrMapOvr>
-</p:sld>
-</file>
-
-<file path=ppt/slides/slide8.xml><?xml version="1.0" encoding="utf-8"?>
-<p:sld xmlns:a="http://schemas.openxmlformats.org/drawingml/2006/main" xmlns:r="http://schemas.openxmlformats.org/officeDocument/2006/relationships" xmlns:p="http://schemas.openxmlformats.org/presentationml/2006/main">
-  <p:cSld>
-    <p:spTree>
-      <p:nvGrpSpPr>
-        <p:cNvPr id="1" name=""/>
-        <p:cNvGrpSpPr/>
-        <p:nvPr/>
-      </p:nvGrpSpPr>
-      <p:grpSpPr>
-        <a:xfrm>
-          <a:off x="0" y="0"/>
-          <a:ext cx="0" cy="0"/>
-          <a:chOff x="0" y="0"/>
-          <a:chExt cx="0" cy="0"/>
-        </a:xfrm>
-      </p:grpSpPr>
-      <p:sp>
-        <p:nvSpPr>
-          <p:cNvPr id="2" name="Title 1"/>
-          <p:cNvSpPr>
-            <a:spLocks noGrp="1"/>
-          </p:cNvSpPr>
-          <p:nvPr>
-            <p:ph type="title"/>
-          </p:nvPr>
-        </p:nvSpPr>
-        <p:spPr>
-          <a:xfrm>
-            <a:off x="329636" y="228457"/>
-            <a:ext cx="7520940" cy="548640"/>
-          </a:xfrm>
-        </p:spPr>
-        <p:txBody>
-          <a:bodyPr/>
-          <a:lstStyle/>
-          <a:p>
-            <a:r>
-              <a:rPr lang="en-US" dirty="0" smtClean="0"/>
-              <a:t>Testing</a:t>
-            </a:r>
-            <a:endParaRPr lang="en-US" dirty="0"/>
-          </a:p>
-        </p:txBody>
-      </p:sp>
-      <p:pic>
-        <p:nvPicPr>
-          <p:cNvPr id="8" name="Content Placeholder 7" descr="960fcc7f5ca32809d6707daab6b8e2b3.jpg"/>
-          <p:cNvPicPr>
-            <a:picLocks noGrp="1" noChangeAspect="1"/>
-          </p:cNvPicPr>
-          <p:nvPr>
-            <p:ph idx="1"/>
-          </p:nvPr>
-        </p:nvPicPr>
-        <p:blipFill rotWithShape="1">
-          <a:blip r:embed="rId2">
-            <a:extLst>
-              <a:ext uri="{28A0092B-C50C-407E-A947-70E740481C1C}">
-                <a14:useLocalDpi xmlns:a14="http://schemas.microsoft.com/office/drawing/2010/main" val="0"/>
-              </a:ext>
-            </a:extLst>
-          </a:blip>
-          <a:srcRect l="-359" r="496"/>
-          <a:stretch/>
-        </p:blipFill>
-        <p:spPr>
-          <a:xfrm>
-            <a:off x="4004254" y="914400"/>
-            <a:ext cx="4991016" cy="3342341"/>
-          </a:xfrm>
-        </p:spPr>
-      </p:pic>
-      <p:sp>
-        <p:nvSpPr>
-          <p:cNvPr id="11" name="TextBox 10"/>
-          <p:cNvSpPr txBox="1"/>
-          <p:nvPr/>
-        </p:nvSpPr>
-        <p:spPr>
-          <a:xfrm>
-            <a:off x="377543" y="1081123"/>
-            <a:ext cx="2522514" cy="1200329"/>
-          </a:xfrm>
-          <a:prstGeom prst="rect">
-            <a:avLst/>
-          </a:prstGeom>
-          <a:noFill/>
-        </p:spPr>
-        <p:txBody>
-          <a:bodyPr wrap="square" rtlCol="0">
-            <a:spAutoFit/>
-          </a:bodyPr>
-          <a:lstStyle/>
-          <a:p>
-            <a:r>
-              <a:rPr lang="en-US" dirty="0" smtClean="0"/>
-              <a:t>Unit tests and continuous integration made up our testing strategy.</a:t>
-            </a:r>
-          </a:p>
-        </p:txBody>
-      </p:sp>
-      <p:sp>
-        <p:nvSpPr>
-          <p:cNvPr id="12" name="Rectangle 11"/>
-          <p:cNvSpPr/>
-          <p:nvPr/>
-        </p:nvSpPr>
-        <p:spPr>
-          <a:xfrm>
-            <a:off x="329636" y="2385094"/>
-            <a:ext cx="3011057" cy="923330"/>
-          </a:xfrm>
-          <a:prstGeom prst="rect">
-            <a:avLst/>
-          </a:prstGeom>
-        </p:spPr>
-        <p:txBody>
-          <a:bodyPr wrap="square">
-            <a:spAutoFit/>
-          </a:bodyPr>
-          <a:lstStyle/>
-          <a:p>
-            <a:r>
-              <a:rPr lang="en-US" dirty="0" smtClean="0"/>
-              <a:t>This allowed us to put out fires quickly without losing development time.</a:t>
-            </a:r>
-            <a:endParaRPr lang="en-US" dirty="0"/>
-          </a:p>
-        </p:txBody>
-      </p:sp>
-      <p:sp>
-        <p:nvSpPr>
-          <p:cNvPr id="13" name="TextBox 12"/>
-          <p:cNvSpPr txBox="1"/>
-          <p:nvPr/>
-        </p:nvSpPr>
-        <p:spPr>
-          <a:xfrm>
-            <a:off x="329636" y="3479763"/>
-            <a:ext cx="2639066" cy="1200329"/>
-          </a:xfrm>
-          <a:prstGeom prst="rect">
-            <a:avLst/>
-          </a:prstGeom>
-          <a:noFill/>
-        </p:spPr>
-        <p:txBody>
-          <a:bodyPr wrap="square" rtlCol="0">
-            <a:spAutoFit/>
-          </a:bodyPr>
-          <a:lstStyle/>
-          <a:p>
-            <a:r>
-              <a:rPr lang="en-US" dirty="0" smtClean="0"/>
-              <a:t>Given our time constraints this was the most efficient approach for our group.</a:t>
-            </a:r>
-            <a:endParaRPr lang="en-US" dirty="0"/>
-          </a:p>
-        </p:txBody>
-      </p:sp>
-    </p:spTree>
-    <p:extLst>
-      <p:ext uri="{BB962C8B-B14F-4D97-AF65-F5344CB8AC3E}">
-        <p14:creationId xmlns:p14="http://schemas.microsoft.com/office/powerpoint/2010/main" val="2652147592"/>
-      </p:ext>
-    </p:extLst>
-  </p:cSld>
-  <p:clrMapOvr>
-    <a:masterClrMapping/>
-  </p:clrMapOvr>
   <p:timing>
     <p:tnLst>
       <p:par>
@@ -6715,157 +7390,157 @@
             <p:ph type="title"/>
           </p:nvPr>
         </p:nvSpPr>
-        <p:spPr/>
-        <p:txBody>
-          <a:bodyPr/>
-          <a:lstStyle/>
-          <a:p>
-            <a:r>
-              <a:rPr lang="en-US" dirty="0" smtClean="0"/>
-              <a:t>Deployment</a:t>
-            </a:r>
-            <a:endParaRPr lang="en-US" dirty="0"/>
-          </a:p>
-        </p:txBody>
-      </p:sp>
-      <p:sp>
-        <p:nvSpPr>
-          <p:cNvPr id="3" name="Content Placeholder 2"/>
-          <p:cNvSpPr>
-            <a:spLocks noGrp="1"/>
-          </p:cNvSpPr>
-          <p:nvPr>
-            <p:ph idx="1"/>
-          </p:nvPr>
-        </p:nvSpPr>
         <p:spPr>
           <a:xfrm>
-            <a:off x="628468" y="1100628"/>
-            <a:ext cx="3867738" cy="2160319"/>
+            <a:off x="329636" y="228457"/>
+            <a:ext cx="7520940" cy="548640"/>
           </a:xfrm>
         </p:spPr>
         <p:txBody>
           <a:bodyPr/>
           <a:lstStyle/>
           <a:p>
-            <a:pPr>
-              <a:buFont typeface="Arial"/>
-              <a:buChar char="•"/>
-            </a:pPr>
             <a:r>
               <a:rPr lang="en-US" dirty="0" smtClean="0"/>
-              <a:t>Used Google Cloud instead of </a:t>
-            </a:r>
-            <a:r>
-              <a:rPr lang="en-US" dirty="0" err="1" smtClean="0"/>
-              <a:t>Heroku</a:t>
-            </a:r>
-            <a:endParaRPr lang="en-US" dirty="0" smtClean="0"/>
-          </a:p>
-          <a:p>
-            <a:pPr>
-              <a:buFont typeface="Arial"/>
-              <a:buChar char="•"/>
-            </a:pPr>
-            <a:r>
-              <a:rPr lang="en-US" dirty="0" smtClean="0"/>
-              <a:t>Easy to deploy</a:t>
-            </a:r>
-          </a:p>
-          <a:p>
-            <a:pPr>
-              <a:buFont typeface="Arial"/>
-              <a:buChar char="•"/>
-            </a:pPr>
-            <a:r>
-              <a:rPr lang="en-US" dirty="0" smtClean="0"/>
-              <a:t>Really cheap to use ($3/month)</a:t>
-            </a:r>
-          </a:p>
-          <a:p>
-            <a:pPr>
-              <a:buFont typeface="Arial"/>
-              <a:buChar char="•"/>
-            </a:pPr>
-            <a:r>
-              <a:rPr lang="en-US" dirty="0" smtClean="0"/>
-              <a:t>Easy to Manage</a:t>
-            </a:r>
-          </a:p>
-          <a:p>
-            <a:pPr>
-              <a:buFont typeface="Arial"/>
-              <a:buChar char="•"/>
-            </a:pPr>
-            <a:r>
-              <a:rPr lang="en-US" dirty="0" smtClean="0"/>
-              <a:t>It’s </a:t>
-            </a:r>
-            <a:r>
-              <a:rPr lang="en-US" dirty="0" err="1" smtClean="0"/>
-              <a:t>google</a:t>
-            </a:r>
-            <a:endParaRPr lang="en-US" dirty="0" smtClean="0"/>
-          </a:p>
-          <a:p>
-            <a:pPr>
-              <a:buFont typeface="Arial"/>
-              <a:buChar char="•"/>
-            </a:pPr>
-            <a:r>
-              <a:rPr lang="en-US" dirty="0" smtClean="0"/>
-              <a:t>Ubuntu/NGINX/REDIS</a:t>
-            </a:r>
-          </a:p>
-          <a:p>
-            <a:pPr>
-              <a:buFont typeface="Arial"/>
-              <a:buChar char="•"/>
-            </a:pPr>
+              <a:t>Testing</a:t>
+            </a:r>
             <a:endParaRPr lang="en-US" dirty="0"/>
           </a:p>
         </p:txBody>
       </p:sp>
       <p:pic>
         <p:nvPicPr>
-          <p:cNvPr id="4" name="Picture 3" descr="1.jpeg"/>
+          <p:cNvPr id="8" name="Content Placeholder 7" descr="960fcc7f5ca32809d6707daab6b8e2b3.jpg"/>
           <p:cNvPicPr>
-            <a:picLocks noChangeAspect="1"/>
+            <a:picLocks noGrp="1" noChangeAspect="1"/>
           </p:cNvPicPr>
-          <p:nvPr/>
+          <p:nvPr>
+            <p:ph idx="1"/>
+          </p:nvPr>
         </p:nvPicPr>
-        <p:blipFill>
-          <a:blip r:embed="rId2" cstate="print">
+        <p:blipFill rotWithShape="1">
+          <a:blip r:embed="rId2">
             <a:extLst>
               <a:ext uri="{28A0092B-C50C-407E-A947-70E740481C1C}">
                 <a14:useLocalDpi xmlns:a14="http://schemas.microsoft.com/office/drawing/2010/main" val="0"/>
               </a:ext>
             </a:extLst>
           </a:blip>
-          <a:stretch>
-            <a:fillRect/>
-          </a:stretch>
+          <a:srcRect l="-359" r="496"/>
+          <a:stretch/>
         </p:blipFill>
         <p:spPr>
           <a:xfrm>
-            <a:off x="4430099" y="365760"/>
-            <a:ext cx="3913801" cy="3913801"/>
+            <a:off x="4004254" y="914400"/>
+            <a:ext cx="4991016" cy="3342341"/>
+          </a:xfrm>
+        </p:spPr>
+      </p:pic>
+      <p:sp>
+        <p:nvSpPr>
+          <p:cNvPr id="11" name="TextBox 10"/>
+          <p:cNvSpPr txBox="1"/>
+          <p:nvPr/>
+        </p:nvSpPr>
+        <p:spPr>
+          <a:xfrm>
+            <a:off x="377543" y="1081123"/>
+            <a:ext cx="2522514" cy="1200329"/>
+          </a:xfrm>
+          <a:prstGeom prst="rect">
+            <a:avLst/>
+          </a:prstGeom>
+          <a:noFill/>
+        </p:spPr>
+        <p:txBody>
+          <a:bodyPr wrap="square" rtlCol="0">
+            <a:spAutoFit/>
+          </a:bodyPr>
+          <a:lstStyle/>
+          <a:p>
+            <a:r>
+              <a:rPr lang="en-US" dirty="0" smtClean="0"/>
+              <a:t>Unit tests and continuous integration made up our testing strategy.</a:t>
+            </a:r>
+          </a:p>
+        </p:txBody>
+      </p:sp>
+      <p:sp>
+        <p:nvSpPr>
+          <p:cNvPr id="12" name="Rectangle 11"/>
+          <p:cNvSpPr/>
+          <p:nvPr/>
+        </p:nvSpPr>
+        <p:spPr>
+          <a:xfrm>
+            <a:off x="329636" y="2385094"/>
+            <a:ext cx="3011057" cy="923330"/>
           </a:xfrm>
           <a:prstGeom prst="rect">
             <a:avLst/>
           </a:prstGeom>
         </p:spPr>
-      </p:pic>
+        <p:txBody>
+          <a:bodyPr wrap="square">
+            <a:spAutoFit/>
+          </a:bodyPr>
+          <a:lstStyle/>
+          <a:p>
+            <a:r>
+              <a:rPr lang="en-US" dirty="0" smtClean="0"/>
+              <a:t>This allowed us to put out fires quickly without losing development time.</a:t>
+            </a:r>
+            <a:endParaRPr lang="en-US" dirty="0"/>
+          </a:p>
+        </p:txBody>
+      </p:sp>
+      <p:sp>
+        <p:nvSpPr>
+          <p:cNvPr id="13" name="TextBox 12"/>
+          <p:cNvSpPr txBox="1"/>
+          <p:nvPr/>
+        </p:nvSpPr>
+        <p:spPr>
+          <a:xfrm>
+            <a:off x="329636" y="3479763"/>
+            <a:ext cx="2639066" cy="1200329"/>
+          </a:xfrm>
+          <a:prstGeom prst="rect">
+            <a:avLst/>
+          </a:prstGeom>
+          <a:noFill/>
+        </p:spPr>
+        <p:txBody>
+          <a:bodyPr wrap="square" rtlCol="0">
+            <a:spAutoFit/>
+          </a:bodyPr>
+          <a:lstStyle/>
+          <a:p>
+            <a:r>
+              <a:rPr lang="en-US" dirty="0" smtClean="0"/>
+              <a:t>Given our time constraints this was the most efficient approach for our group.</a:t>
+            </a:r>
+            <a:endParaRPr lang="en-US" dirty="0"/>
+          </a:p>
+        </p:txBody>
+      </p:sp>
     </p:spTree>
     <p:extLst>
       <p:ext uri="{BB962C8B-B14F-4D97-AF65-F5344CB8AC3E}">
-        <p14:creationId xmlns:p14="http://schemas.microsoft.com/office/powerpoint/2010/main" val="797430493"/>
+        <p14:creationId xmlns:p14="http://schemas.microsoft.com/office/powerpoint/2010/main" val="2652147592"/>
       </p:ext>
     </p:extLst>
   </p:cSld>
   <p:clrMapOvr>
     <a:masterClrMapping/>
   </p:clrMapOvr>
+  <p:timing>
+    <p:tnLst>
+      <p:par>
+        <p:cTn xmlns:p14="http://schemas.microsoft.com/office/powerpoint/2010/main" id="1" dur="indefinite" restart="never" nodeType="tmRoot"/>
+      </p:par>
+    </p:tnLst>
+  </p:timing>
 </p:sld>
 </file>
 
